--- a/docs/documentation/ArchitectureDiagram.pptx
+++ b/docs/documentation/ArchitectureDiagram.pptx
@@ -197,7 +197,7 @@
           <a:p>
             <a:fld id="{3AB3FB6B-0CA4-1944-BACF-0F8297AEBC9D}" type="datetimeFigureOut">
               <a:rPr lang="en-US" smtClean="0"/>
-              <a:t>1/13/22</a:t>
+              <a:t>1/22/22</a:t>
             </a:fld>
             <a:endParaRPr lang="en-US"/>
           </a:p>
@@ -611,7 +611,7 @@
           <a:p>
             <a:fld id="{0C0AC3C8-E471-B24F-B12D-AA2DE7AA6F8A}" type="datetimeFigureOut">
               <a:rPr lang="en-US" smtClean="0"/>
-              <a:t>1/13/22</a:t>
+              <a:t>1/22/22</a:t>
             </a:fld>
             <a:endParaRPr lang="en-US"/>
           </a:p>
@@ -809,7 +809,7 @@
           <a:p>
             <a:fld id="{0C0AC3C8-E471-B24F-B12D-AA2DE7AA6F8A}" type="datetimeFigureOut">
               <a:rPr lang="en-US" smtClean="0"/>
-              <a:t>1/13/22</a:t>
+              <a:t>1/22/22</a:t>
             </a:fld>
             <a:endParaRPr lang="en-US"/>
           </a:p>
@@ -1017,7 +1017,7 @@
           <a:p>
             <a:fld id="{0C0AC3C8-E471-B24F-B12D-AA2DE7AA6F8A}" type="datetimeFigureOut">
               <a:rPr lang="en-US" smtClean="0"/>
-              <a:t>1/13/22</a:t>
+              <a:t>1/22/22</a:t>
             </a:fld>
             <a:endParaRPr lang="en-US"/>
           </a:p>
@@ -1215,7 +1215,7 @@
           <a:p>
             <a:fld id="{0C0AC3C8-E471-B24F-B12D-AA2DE7AA6F8A}" type="datetimeFigureOut">
               <a:rPr lang="en-US" smtClean="0"/>
-              <a:t>1/13/22</a:t>
+              <a:t>1/22/22</a:t>
             </a:fld>
             <a:endParaRPr lang="en-US"/>
           </a:p>
@@ -1490,7 +1490,7 @@
           <a:p>
             <a:fld id="{0C0AC3C8-E471-B24F-B12D-AA2DE7AA6F8A}" type="datetimeFigureOut">
               <a:rPr lang="en-US" smtClean="0"/>
-              <a:t>1/13/22</a:t>
+              <a:t>1/22/22</a:t>
             </a:fld>
             <a:endParaRPr lang="en-US"/>
           </a:p>
@@ -1755,7 +1755,7 @@
           <a:p>
             <a:fld id="{0C0AC3C8-E471-B24F-B12D-AA2DE7AA6F8A}" type="datetimeFigureOut">
               <a:rPr lang="en-US" smtClean="0"/>
-              <a:t>1/13/22</a:t>
+              <a:t>1/22/22</a:t>
             </a:fld>
             <a:endParaRPr lang="en-US"/>
           </a:p>
@@ -2167,7 +2167,7 @@
           <a:p>
             <a:fld id="{0C0AC3C8-E471-B24F-B12D-AA2DE7AA6F8A}" type="datetimeFigureOut">
               <a:rPr lang="en-US" smtClean="0"/>
-              <a:t>1/13/22</a:t>
+              <a:t>1/22/22</a:t>
             </a:fld>
             <a:endParaRPr lang="en-US"/>
           </a:p>
@@ -2308,7 +2308,7 @@
           <a:p>
             <a:fld id="{0C0AC3C8-E471-B24F-B12D-AA2DE7AA6F8A}" type="datetimeFigureOut">
               <a:rPr lang="en-US" smtClean="0"/>
-              <a:t>1/13/22</a:t>
+              <a:t>1/22/22</a:t>
             </a:fld>
             <a:endParaRPr lang="en-US"/>
           </a:p>
@@ -2421,7 +2421,7 @@
           <a:p>
             <a:fld id="{0C0AC3C8-E471-B24F-B12D-AA2DE7AA6F8A}" type="datetimeFigureOut">
               <a:rPr lang="en-US" smtClean="0"/>
-              <a:t>1/13/22</a:t>
+              <a:t>1/22/22</a:t>
             </a:fld>
             <a:endParaRPr lang="en-US"/>
           </a:p>
@@ -2732,7 +2732,7 @@
           <a:p>
             <a:fld id="{0C0AC3C8-E471-B24F-B12D-AA2DE7AA6F8A}" type="datetimeFigureOut">
               <a:rPr lang="en-US" smtClean="0"/>
-              <a:t>1/13/22</a:t>
+              <a:t>1/22/22</a:t>
             </a:fld>
             <a:endParaRPr lang="en-US"/>
           </a:p>
@@ -3020,7 +3020,7 @@
           <a:p>
             <a:fld id="{0C0AC3C8-E471-B24F-B12D-AA2DE7AA6F8A}" type="datetimeFigureOut">
               <a:rPr lang="en-US" smtClean="0"/>
-              <a:t>1/13/22</a:t>
+              <a:t>1/22/22</a:t>
             </a:fld>
             <a:endParaRPr lang="en-US"/>
           </a:p>
@@ -3261,7 +3261,7 @@
           <a:p>
             <a:fld id="{0C0AC3C8-E471-B24F-B12D-AA2DE7AA6F8A}" type="datetimeFigureOut">
               <a:rPr lang="en-US" smtClean="0"/>
-              <a:t>1/13/22</a:t>
+              <a:t>1/22/22</a:t>
             </a:fld>
             <a:endParaRPr lang="en-US"/>
           </a:p>
@@ -3692,8 +3692,8 @@
         </p:nvSpPr>
         <p:spPr>
           <a:xfrm>
-            <a:off x="4768854" y="1337815"/>
-            <a:ext cx="2535621" cy="1587061"/>
+            <a:off x="4418239" y="1798012"/>
+            <a:ext cx="2535621" cy="1212122"/>
           </a:xfrm>
           <a:prstGeom prst="rect">
             <a:avLst/>
@@ -3747,7 +3747,7 @@
         </p:blipFill>
         <p:spPr>
           <a:xfrm>
-            <a:off x="4959353" y="1397822"/>
+            <a:off x="4547723" y="1876808"/>
             <a:ext cx="306239" cy="240862"/>
           </a:xfrm>
           <a:prstGeom prst="rect">
@@ -3769,8 +3769,8 @@
         </p:nvSpPr>
         <p:spPr>
           <a:xfrm>
-            <a:off x="4959353" y="1767266"/>
-            <a:ext cx="2103384" cy="978931"/>
+            <a:off x="4608738" y="2202163"/>
+            <a:ext cx="2103384" cy="629292"/>
           </a:xfrm>
           <a:prstGeom prst="rect">
             <a:avLst/>
@@ -3816,7 +3816,7 @@
         </p:nvSpPr>
         <p:spPr>
           <a:xfrm>
-            <a:off x="5162435" y="2082689"/>
+            <a:off x="4811215" y="2390153"/>
             <a:ext cx="1846213" cy="369332"/>
           </a:xfrm>
           <a:prstGeom prst="rect">
@@ -3851,7 +3851,7 @@
         </p:nvSpPr>
         <p:spPr>
           <a:xfrm>
-            <a:off x="5256926" y="1321513"/>
+            <a:off x="4802497" y="1871641"/>
             <a:ext cx="1887923" cy="369332"/>
           </a:xfrm>
           <a:prstGeom prst="rect">
@@ -3901,7 +3901,7 @@
         </p:blipFill>
         <p:spPr bwMode="auto">
           <a:xfrm>
-            <a:off x="364908" y="2494551"/>
+            <a:off x="142753" y="2230600"/>
             <a:ext cx="1004194" cy="1004194"/>
           </a:xfrm>
           <a:prstGeom prst="rect">
@@ -3933,7 +3933,7 @@
         </p:nvSpPr>
         <p:spPr>
           <a:xfrm>
-            <a:off x="272851" y="2198453"/>
+            <a:off x="50696" y="1934502"/>
             <a:ext cx="1419028" cy="369332"/>
           </a:xfrm>
           <a:prstGeom prst="rect">
@@ -3968,8 +3968,8 @@
         </p:nvSpPr>
         <p:spPr>
           <a:xfrm>
-            <a:off x="4631728" y="3653698"/>
-            <a:ext cx="2535621" cy="1587061"/>
+            <a:off x="4409573" y="3790823"/>
+            <a:ext cx="2535621" cy="1185985"/>
           </a:xfrm>
           <a:prstGeom prst="rect">
             <a:avLst/>
@@ -4023,7 +4023,7 @@
         </p:blipFill>
         <p:spPr>
           <a:xfrm>
-            <a:off x="4822227" y="3713705"/>
+            <a:off x="4612494" y="3913917"/>
             <a:ext cx="306239" cy="240862"/>
           </a:xfrm>
           <a:prstGeom prst="rect">
@@ -4045,7 +4045,7 @@
         </p:nvSpPr>
         <p:spPr>
           <a:xfrm>
-            <a:off x="5058332" y="3649470"/>
+            <a:off x="4802496" y="3844862"/>
             <a:ext cx="1887923" cy="369332"/>
           </a:xfrm>
           <a:prstGeom prst="rect">
@@ -4080,8 +4080,8 @@
         </p:nvSpPr>
         <p:spPr>
           <a:xfrm>
-            <a:off x="4842871" y="4119008"/>
-            <a:ext cx="2103384" cy="978931"/>
+            <a:off x="4620716" y="4214194"/>
+            <a:ext cx="2103384" cy="619794"/>
           </a:xfrm>
           <a:prstGeom prst="rect">
             <a:avLst/>
@@ -4127,7 +4127,7 @@
         </p:nvSpPr>
         <p:spPr>
           <a:xfrm>
-            <a:off x="5335061" y="4423807"/>
+            <a:off x="5104684" y="4379116"/>
             <a:ext cx="1200674" cy="369332"/>
           </a:xfrm>
           <a:prstGeom prst="rect">
@@ -4170,7 +4170,7 @@
         </p:blipFill>
         <p:spPr>
           <a:xfrm>
-            <a:off x="8643450" y="2730403"/>
+            <a:off x="8421295" y="2466452"/>
             <a:ext cx="914400" cy="1016000"/>
           </a:xfrm>
           <a:prstGeom prst="rect">
@@ -4192,8 +4192,8 @@
         </p:nvSpPr>
         <p:spPr>
           <a:xfrm>
-            <a:off x="3996991" y="558219"/>
-            <a:ext cx="7840222" cy="5877304"/>
+            <a:off x="3774836" y="1547027"/>
+            <a:ext cx="7840222" cy="4624544"/>
           </a:xfrm>
           <a:prstGeom prst="rect">
             <a:avLst/>
@@ -4239,7 +4239,7 @@
         </p:nvSpPr>
         <p:spPr>
           <a:xfrm>
-            <a:off x="7552482" y="176436"/>
+            <a:off x="3778420" y="1195468"/>
             <a:ext cx="830318" cy="369332"/>
           </a:xfrm>
           <a:prstGeom prst="rect">
@@ -4274,7 +4274,7 @@
         </p:nvSpPr>
         <p:spPr>
           <a:xfrm>
-            <a:off x="9527671" y="3101880"/>
+            <a:off x="9305516" y="2837929"/>
             <a:ext cx="1832645" cy="369332"/>
           </a:xfrm>
           <a:prstGeom prst="rect">
@@ -4313,8 +4313,8 @@
         </p:nvCxnSpPr>
         <p:spPr>
           <a:xfrm>
-            <a:off x="3520924" y="2061963"/>
-            <a:ext cx="1247930" cy="69383"/>
+            <a:off x="3298769" y="1798012"/>
+            <a:ext cx="1119470" cy="606061"/>
           </a:xfrm>
           <a:prstGeom prst="straightConnector1">
             <a:avLst/>
@@ -4357,8 +4357,8 @@
         </p:nvCxnSpPr>
         <p:spPr>
           <a:xfrm flipV="1">
-            <a:off x="7167349" y="3238403"/>
-            <a:ext cx="1476101" cy="1208826"/>
+            <a:off x="6945194" y="2974452"/>
+            <a:ext cx="1476101" cy="1409364"/>
           </a:xfrm>
           <a:prstGeom prst="straightConnector1">
             <a:avLst/>
@@ -4397,7 +4397,7 @@
         </p:nvGrpSpPr>
         <p:grpSpPr>
           <a:xfrm>
-            <a:off x="1978139" y="1391834"/>
+            <a:off x="1755984" y="1127883"/>
             <a:ext cx="1571955" cy="1938519"/>
             <a:chOff x="2313934" y="1377016"/>
             <a:chExt cx="1571955" cy="1938519"/>
@@ -4534,7 +4534,7 @@
         </p:nvGrpSpPr>
         <p:grpSpPr>
           <a:xfrm>
-            <a:off x="2007520" y="3554736"/>
+            <a:off x="1785365" y="3290785"/>
             <a:ext cx="1719621" cy="1972708"/>
             <a:chOff x="1635119" y="3825110"/>
             <a:chExt cx="1719621" cy="1972708"/>
@@ -4671,7 +4671,7 @@
         </p:blipFill>
         <p:spPr>
           <a:xfrm>
-            <a:off x="8800037" y="5377144"/>
+            <a:off x="8577882" y="5113193"/>
             <a:ext cx="659819" cy="686750"/>
           </a:xfrm>
           <a:prstGeom prst="rect">
@@ -4693,7 +4693,7 @@
         </p:nvSpPr>
         <p:spPr>
           <a:xfrm>
-            <a:off x="8643450" y="6060937"/>
+            <a:off x="8421295" y="5796986"/>
             <a:ext cx="1108573" cy="369332"/>
           </a:xfrm>
           <a:prstGeom prst="rect">
@@ -4731,7 +4731,7 @@
         </p:nvCxnSpPr>
         <p:spPr>
           <a:xfrm flipV="1">
-            <a:off x="9129947" y="3842816"/>
+            <a:off x="8907792" y="3578865"/>
             <a:ext cx="0" cy="1534328"/>
           </a:xfrm>
           <a:prstGeom prst="straightConnector1">
@@ -4779,7 +4779,7 @@
         </p:blipFill>
         <p:spPr>
           <a:xfrm>
-            <a:off x="10594926" y="5090391"/>
+            <a:off x="10372771" y="4826440"/>
             <a:ext cx="952500" cy="1257300"/>
           </a:xfrm>
           <a:prstGeom prst="rect">
@@ -4803,7 +4803,7 @@
         </p:nvCxnSpPr>
         <p:spPr>
           <a:xfrm flipV="1">
-            <a:off x="9518622" y="5698450"/>
+            <a:off x="9296467" y="5434499"/>
             <a:ext cx="1032407" cy="4760"/>
           </a:xfrm>
           <a:prstGeom prst="straightConnector1">
@@ -4845,7 +4845,7 @@
         </p:nvCxnSpPr>
         <p:spPr>
           <a:xfrm rot="10800000">
-            <a:off x="867008" y="3628714"/>
+            <a:off x="644853" y="3364763"/>
             <a:ext cx="7706605" cy="2201529"/>
           </a:xfrm>
           <a:prstGeom prst="bentConnector3">
@@ -4886,7 +4886,7 @@
         </p:nvSpPr>
         <p:spPr>
           <a:xfrm>
-            <a:off x="4814728" y="5940320"/>
+            <a:off x="4592573" y="5676369"/>
             <a:ext cx="1868541" cy="369332"/>
           </a:xfrm>
           <a:prstGeom prst="rect">
@@ -4909,73 +4909,26 @@
       </p:sp>
       <p:sp>
         <p:nvSpPr>
-          <p:cNvPr id="61" name="Rectangle 60">
-            <a:extLst>
-              <a:ext uri="{FF2B5EF4-FFF2-40B4-BE49-F238E27FC236}">
-                <a16:creationId xmlns:a16="http://schemas.microsoft.com/office/drawing/2014/main" id="{296C0CD9-EF01-C94B-B72E-D7AD6CBDC9B5}"/>
-              </a:ext>
-            </a:extLst>
-          </p:cNvPr>
-          <p:cNvSpPr/>
+          <p:cNvPr id="63" name="TextBox 62">
+            <a:extLst>
+              <a:ext uri="{FF2B5EF4-FFF2-40B4-BE49-F238E27FC236}">
+                <a16:creationId xmlns:a16="http://schemas.microsoft.com/office/drawing/2014/main" id="{E0AFB282-40CB-7645-8DD6-6812EBFFEC5C}"/>
+              </a:ext>
+            </a:extLst>
+          </p:cNvPr>
+          <p:cNvSpPr txBox="1"/>
           <p:nvPr/>
         </p:nvSpPr>
         <p:spPr>
           <a:xfrm>
-            <a:off x="8437461" y="832047"/>
-            <a:ext cx="2103384" cy="978931"/>
+            <a:off x="6283401" y="783642"/>
+            <a:ext cx="5908599" cy="369332"/>
           </a:xfrm>
           <a:prstGeom prst="rect">
             <a:avLst/>
           </a:prstGeom>
           <a:noFill/>
         </p:spPr>
-        <p:style>
-          <a:lnRef idx="2">
-            <a:schemeClr val="accent1">
-              <a:shade val="50000"/>
-            </a:schemeClr>
-          </a:lnRef>
-          <a:fillRef idx="1">
-            <a:schemeClr val="accent1"/>
-          </a:fillRef>
-          <a:effectRef idx="0">
-            <a:schemeClr val="accent1"/>
-          </a:effectRef>
-          <a:fontRef idx="minor">
-            <a:schemeClr val="lt1"/>
-          </a:fontRef>
-        </p:style>
-        <p:txBody>
-          <a:bodyPr rtlCol="0" anchor="ctr"/>
-          <a:lstStyle/>
-          <a:p>
-            <a:pPr algn="ctr"/>
-            <a:endParaRPr lang="en-US"/>
-          </a:p>
-        </p:txBody>
-      </p:sp>
-      <p:sp>
-        <p:nvSpPr>
-          <p:cNvPr id="63" name="TextBox 62">
-            <a:extLst>
-              <a:ext uri="{FF2B5EF4-FFF2-40B4-BE49-F238E27FC236}">
-                <a16:creationId xmlns:a16="http://schemas.microsoft.com/office/drawing/2014/main" id="{E0AFB282-40CB-7645-8DD6-6812EBFFEC5C}"/>
-              </a:ext>
-            </a:extLst>
-          </p:cNvPr>
-          <p:cNvSpPr txBox="1"/>
-          <p:nvPr/>
-        </p:nvSpPr>
-        <p:spPr>
-          <a:xfrm>
-            <a:off x="8511812" y="1136477"/>
-            <a:ext cx="2083114" cy="369332"/>
-          </a:xfrm>
-          <a:prstGeom prst="rect">
-            <a:avLst/>
-          </a:prstGeom>
-          <a:noFill/>
-        </p:spPr>
         <p:txBody>
           <a:bodyPr wrap="square" rtlCol="0">
             <a:spAutoFit/>
@@ -4984,7 +4937,7 @@
           <a:p>
             <a:r>
               <a:rPr lang="en-US" dirty="0"/>
-              <a:t>External FHIR server</a:t>
+              <a:t>External FHIR capable servers. EPIC, hapifhir, IBM, etc…</a:t>
             </a:r>
           </a:p>
         </p:txBody>
@@ -5006,8 +4959,8 @@
         </p:nvCxnSpPr>
         <p:spPr>
           <a:xfrm flipV="1">
-            <a:off x="7167349" y="1810978"/>
-            <a:ext cx="1270112" cy="2636251"/>
+            <a:off x="6945194" y="1216905"/>
+            <a:ext cx="1882331" cy="3166911"/>
           </a:xfrm>
           <a:prstGeom prst="straightConnector1">
             <a:avLst/>
@@ -5045,8 +4998,8 @@
           <p:nvPr/>
         </p:nvSpPr>
         <p:spPr>
-          <a:xfrm>
-            <a:off x="8324903" y="1928477"/>
+          <a:xfrm rot="18042143">
+            <a:off x="6866207" y="2444014"/>
             <a:ext cx="1782858" cy="261610"/>
           </a:xfrm>
           <a:prstGeom prst="rect">
@@ -5081,7 +5034,7 @@
         </p:nvSpPr>
         <p:spPr>
           <a:xfrm>
-            <a:off x="9772245" y="5240759"/>
+            <a:off x="9550090" y="4976808"/>
             <a:ext cx="985545" cy="430887"/>
           </a:xfrm>
           <a:prstGeom prst="rect">
@@ -5113,14 +5066,14 @@
           </p:cNvPr>
           <p:cNvCxnSpPr>
             <a:cxnSpLocks/>
-            <a:endCxn id="30" idx="1"/>
+            <a:endCxn id="27" idx="1"/>
           </p:cNvCxnSpPr>
           <p:nvPr/>
         </p:nvCxnSpPr>
         <p:spPr>
           <a:xfrm>
-            <a:off x="3136141" y="4054774"/>
-            <a:ext cx="1706730" cy="553700"/>
+            <a:off x="2913986" y="3790823"/>
+            <a:ext cx="1495587" cy="592993"/>
           </a:xfrm>
           <a:prstGeom prst="straightConnector1">
             <a:avLst/>
@@ -5156,14 +5109,15 @@
           </p:cNvPr>
           <p:cNvCxnSpPr>
             <a:cxnSpLocks/>
-            <a:endCxn id="30" idx="1"/>
+            <a:stCxn id="18" idx="3"/>
+            <a:endCxn id="27" idx="1"/>
           </p:cNvCxnSpPr>
           <p:nvPr/>
         </p:nvCxnSpPr>
         <p:spPr>
           <a:xfrm>
-            <a:off x="3612208" y="2151049"/>
-            <a:ext cx="1230663" cy="2457425"/>
+            <a:off x="3298769" y="1798012"/>
+            <a:ext cx="1110804" cy="2585804"/>
           </a:xfrm>
           <a:prstGeom prst="straightConnector1">
             <a:avLst/>
@@ -5202,7 +5156,7 @@
         </p:nvSpPr>
         <p:spPr>
           <a:xfrm>
-            <a:off x="5584675" y="966251"/>
+            <a:off x="5169765" y="4935228"/>
             <a:ext cx="903978" cy="369332"/>
           </a:xfrm>
           <a:prstGeom prst="rect">
@@ -5223,12 +5177,72 @@
           </a:p>
         </p:txBody>
       </p:sp>
-      <p:sp>
-        <p:nvSpPr>
-          <p:cNvPr id="47" name="TextBox 46">
-            <a:extLst>
-              <a:ext uri="{FF2B5EF4-FFF2-40B4-BE49-F238E27FC236}">
-                <a16:creationId xmlns:a16="http://schemas.microsoft.com/office/drawing/2014/main" id="{11C47750-2413-8F47-A7BC-1411B854561D}"/>
+      <p:pic>
+        <p:nvPicPr>
+          <p:cNvPr id="3" name="Picture 2">
+            <a:extLst>
+              <a:ext uri="{FF2B5EF4-FFF2-40B4-BE49-F238E27FC236}">
+                <a16:creationId xmlns:a16="http://schemas.microsoft.com/office/drawing/2014/main" id="{8AF24B36-764B-3B4B-8F21-A60FDFFF3F1D}"/>
+              </a:ext>
+            </a:extLst>
+          </p:cNvPr>
+          <p:cNvPicPr>
+            <a:picLocks noChangeAspect="1"/>
+          </p:cNvPicPr>
+          <p:nvPr/>
+        </p:nvPicPr>
+        <p:blipFill>
+          <a:blip r:embed="rId11"/>
+          <a:stretch>
+            <a:fillRect/>
+          </a:stretch>
+        </p:blipFill>
+        <p:spPr>
+          <a:xfrm>
+            <a:off x="4649330" y="4400023"/>
+            <a:ext cx="451085" cy="338314"/>
+          </a:xfrm>
+          <a:prstGeom prst="rect">
+            <a:avLst/>
+          </a:prstGeom>
+        </p:spPr>
+      </p:pic>
+      <p:pic>
+        <p:nvPicPr>
+          <p:cNvPr id="49" name="Picture 48">
+            <a:extLst>
+              <a:ext uri="{FF2B5EF4-FFF2-40B4-BE49-F238E27FC236}">
+                <a16:creationId xmlns:a16="http://schemas.microsoft.com/office/drawing/2014/main" id="{45928F33-EA99-3D4E-87C0-E23C2E5A0AAC}"/>
+              </a:ext>
+            </a:extLst>
+          </p:cNvPr>
+          <p:cNvPicPr>
+            <a:picLocks noChangeAspect="1"/>
+          </p:cNvPicPr>
+          <p:nvPr/>
+        </p:nvPicPr>
+        <p:blipFill>
+          <a:blip r:embed="rId11"/>
+          <a:stretch>
+            <a:fillRect/>
+          </a:stretch>
+        </p:blipFill>
+        <p:spPr>
+          <a:xfrm>
+            <a:off x="8390324" y="5304560"/>
+            <a:ext cx="348977" cy="261733"/>
+          </a:xfrm>
+          <a:prstGeom prst="rect">
+            <a:avLst/>
+          </a:prstGeom>
+        </p:spPr>
+      </p:pic>
+      <p:sp>
+        <p:nvSpPr>
+          <p:cNvPr id="59" name="TextBox 58">
+            <a:extLst>
+              <a:ext uri="{FF2B5EF4-FFF2-40B4-BE49-F238E27FC236}">
+                <a16:creationId xmlns:a16="http://schemas.microsoft.com/office/drawing/2014/main" id="{3428DAB0-3506-5A42-9CF2-A9F649DDD413}"/>
               </a:ext>
             </a:extLst>
           </p:cNvPr>
@@ -5237,8 +5251,8 @@
         </p:nvSpPr>
         <p:spPr>
           <a:xfrm>
-            <a:off x="5388973" y="3280138"/>
-            <a:ext cx="903978" cy="369332"/>
+            <a:off x="1697450" y="968121"/>
+            <a:ext cx="1782858" cy="261610"/>
           </a:xfrm>
           <a:prstGeom prst="rect">
             <a:avLst/>
@@ -5252,8 +5266,8 @@
           <a:lstStyle/>
           <a:p>
             <a:r>
-              <a:rPr lang="en-US" dirty="0"/>
-              <a:t>Fargate</a:t>
+              <a:rPr lang="en-US" sz="1100" dirty="0"/>
+              <a:t>Gets Patient Information </a:t>
             </a:r>
           </a:p>
         </p:txBody>
